--- a/Training/บทที่ 2 สั่งเปิด-ปิดแอลอีดีผ่านปุ่มบนหน้าจอ.pptx
+++ b/Training/บทที่ 2 สั่งเปิด-ปิดแอลอีดีผ่านปุ่มบนหน้าจอ.pptx
@@ -221,7 +221,7 @@
           <a:p>
             <a:fld id="{06C17036-57F0-4033-878B-2A84741E291F}" type="datetimeFigureOut">
               <a:rPr lang="en-US" smtClean="0"/>
-              <a:t>12/9/2023</a:t>
+              <a:t>12/12/2023</a:t>
             </a:fld>
             <a:endParaRPr lang="en-US"/>
           </a:p>
@@ -398,7 +398,7 @@
           <a:p>
             <a:fld id="{B7250401-2409-4A51-A751-C814B6470FB6}" type="datetimeFigureOut">
               <a:rPr lang="en-US" smtClean="0"/>
-              <a:t>12/9/2023</a:t>
+              <a:t>12/12/2023</a:t>
             </a:fld>
             <a:endParaRPr lang="en-US"/>
           </a:p>
@@ -820,7 +820,7 @@
           <a:p>
             <a:fld id="{3F6AD41E-8961-455E-BE3D-52DCFD182BCA}" type="datetime1">
               <a:rPr lang="en-US" smtClean="0"/>
-              <a:t>12/9/2023</a:t>
+              <a:t>12/12/2023</a:t>
             </a:fld>
             <a:endParaRPr lang="en-US"/>
           </a:p>
@@ -1018,7 +1018,7 @@
           <a:p>
             <a:fld id="{837AD7CF-C4A7-47BC-8CA0-A2423BD6B414}" type="datetime1">
               <a:rPr lang="en-US" smtClean="0"/>
-              <a:t>12/9/2023</a:t>
+              <a:t>12/12/2023</a:t>
             </a:fld>
             <a:endParaRPr lang="en-US"/>
           </a:p>
@@ -1226,7 +1226,7 @@
           <a:p>
             <a:fld id="{66FCB7ED-9AA1-4792-8B84-4E6B933EF180}" type="datetime1">
               <a:rPr lang="en-US" smtClean="0"/>
-              <a:t>12/9/2023</a:t>
+              <a:t>12/12/2023</a:t>
             </a:fld>
             <a:endParaRPr lang="en-US"/>
           </a:p>
@@ -1424,7 +1424,7 @@
           <a:p>
             <a:fld id="{437F2F41-2D04-40FF-B725-8597E0E2AF28}" type="datetime1">
               <a:rPr lang="en-US" smtClean="0"/>
-              <a:t>12/9/2023</a:t>
+              <a:t>12/12/2023</a:t>
             </a:fld>
             <a:endParaRPr lang="en-US"/>
           </a:p>
@@ -1699,7 +1699,7 @@
           <a:p>
             <a:fld id="{CE09906A-C844-4743-B9CD-73C2EEC07552}" type="datetime1">
               <a:rPr lang="en-US" smtClean="0"/>
-              <a:t>12/9/2023</a:t>
+              <a:t>12/12/2023</a:t>
             </a:fld>
             <a:endParaRPr lang="en-US"/>
           </a:p>
@@ -1964,7 +1964,7 @@
           <a:p>
             <a:fld id="{00CE04E3-7771-46FC-A485-5D5B60EDE7C4}" type="datetime1">
               <a:rPr lang="en-US" smtClean="0"/>
-              <a:t>12/9/2023</a:t>
+              <a:t>12/12/2023</a:t>
             </a:fld>
             <a:endParaRPr lang="en-US"/>
           </a:p>
@@ -2376,7 +2376,7 @@
           <a:p>
             <a:fld id="{AAD7B7EB-A95B-4C9B-B5CA-832534FE81AF}" type="datetime1">
               <a:rPr lang="en-US" smtClean="0"/>
-              <a:t>12/9/2023</a:t>
+              <a:t>12/12/2023</a:t>
             </a:fld>
             <a:endParaRPr lang="en-US"/>
           </a:p>
@@ -2579,7 +2579,7 @@
           <a:p>
             <a:fld id="{D2E7307F-0EB1-4E56-82DB-1BD3F33DAE22}" type="datetime1">
               <a:rPr lang="en-US" smtClean="0"/>
-              <a:t>12/9/2023</a:t>
+              <a:t>12/12/2023</a:t>
             </a:fld>
             <a:endParaRPr lang="en-US"/>
           </a:p>
@@ -2692,7 +2692,7 @@
           <a:p>
             <a:fld id="{0B135347-3E15-4228-ACD1-FA410F03C88A}" type="datetime1">
               <a:rPr lang="en-US" smtClean="0"/>
-              <a:t>12/9/2023</a:t>
+              <a:t>12/12/2023</a:t>
             </a:fld>
             <a:endParaRPr lang="en-US"/>
           </a:p>
@@ -3003,7 +3003,7 @@
           <a:p>
             <a:fld id="{8FC84112-A496-4654-828C-C3F1F14531A1}" type="datetime1">
               <a:rPr lang="en-US" smtClean="0"/>
-              <a:t>12/9/2023</a:t>
+              <a:t>12/12/2023</a:t>
             </a:fld>
             <a:endParaRPr lang="en-US"/>
           </a:p>
@@ -3291,7 +3291,7 @@
           <a:p>
             <a:fld id="{7F1F06F9-3F6B-430D-AD7B-9113A06E2545}" type="datetime1">
               <a:rPr lang="en-US" smtClean="0"/>
-              <a:t>12/9/2023</a:t>
+              <a:t>12/12/2023</a:t>
             </a:fld>
             <a:endParaRPr lang="en-US"/>
           </a:p>
@@ -4542,7 +4542,7 @@
           <a:p>
             <a:fld id="{292BCB8D-29B8-4E35-9093-2F363A120E10}" type="datetime1">
               <a:rPr lang="en-US" smtClean="0"/>
-              <a:t>12/9/2023</a:t>
+              <a:t>12/12/2023</a:t>
             </a:fld>
             <a:endParaRPr lang="en-US"/>
           </a:p>
@@ -5165,29 +5165,32 @@
         <p:spPr>
           <a:xfrm>
             <a:off x="2389693" y="1040246"/>
-            <a:ext cx="8244253" cy="1305318"/>
+            <a:ext cx="8489801" cy="1305318"/>
           </a:xfrm>
         </p:spPr>
         <p:txBody>
           <a:bodyPr>
-            <a:normAutofit fontScale="90000"/>
+            <a:normAutofit/>
           </a:bodyPr>
           <a:lstStyle/>
           <a:p>
-            <a:pPr algn="l"/>
+            <a:pPr algn="r"/>
             <a:r>
               <a:rPr lang="th-TH" sz="7200" dirty="0">
                 <a:solidFill>
                   <a:srgbClr val="2ECC71"/>
                 </a:solidFill>
               </a:rPr>
-              <a:t>สั่งเปิด-ปิดแอลอีดีผ่านหน้าจอ</a:t>
-            </a:r>
-            <a:endParaRPr lang="en-US" sz="7200" dirty="0">
-              <a:solidFill>
-                <a:srgbClr val="2ECC71"/>
-              </a:solidFill>
-            </a:endParaRPr>
+              <a:t>เริ่มต้นใช้งาน </a:t>
+            </a:r>
+            <a:r>
+              <a:rPr lang="en-US" sz="7200" dirty="0">
+                <a:solidFill>
+                  <a:srgbClr val="2ECC71"/>
+                </a:solidFill>
+              </a:rPr>
+              <a:t>ATD3.5-S3</a:t>
+            </a:r>
           </a:p>
         </p:txBody>
       </p:sp>
